--- a/Discussion Documents/GRA UML status and demo.pptx
+++ b/Discussion Documents/GRA UML status and demo.pptx
@@ -3248,7 +3248,6 @@
               <a:rPr lang="en-US" dirty="0" smtClean="0"/>
               <a:t>Status &amp; Demo</a:t>
             </a:r>
-            <a:endParaRPr lang="en-US" dirty="0" smtClean="0"/>
           </a:p>
           <a:p>
             <a:r>
@@ -3282,7 +3281,7 @@
         </p:blipFill>
         <p:spPr bwMode="auto">
           <a:xfrm>
-            <a:off x="338346" y="446156"/>
+            <a:off x="175060" y="5870194"/>
             <a:ext cx="4038600" cy="657225"/>
           </a:xfrm>
           <a:prstGeom prst="rect">
@@ -3338,6 +3337,70 @@
           <a:xfrm>
             <a:off x="6099047" y="5562600"/>
             <a:ext cx="1630681" cy="964819"/>
+          </a:xfrm>
+          <a:prstGeom prst="rect">
+            <a:avLst/>
+          </a:prstGeom>
+          <a:noFill/>
+          <a:ln>
+            <a:noFill/>
+          </a:ln>
+          <a:effectLst/>
+          <a:extLst>
+            <a:ext uri="{909E8E84-426E-40DD-AFC4-6F175D3DCCD1}">
+              <a14:hiddenFill xmlns:a14="http://schemas.microsoft.com/office/drawing/2010/main">
+                <a:solidFill>
+                  <a:schemeClr val="accent1"/>
+                </a:solidFill>
+              </a14:hiddenFill>
+            </a:ext>
+            <a:ext uri="{91240B29-F687-4F45-9708-019B960494DF}">
+              <a14:hiddenLine xmlns:a14="http://schemas.microsoft.com/office/drawing/2010/main" w="9525">
+                <a:solidFill>
+                  <a:schemeClr val="tx1"/>
+                </a:solidFill>
+                <a:miter lim="800000"/>
+                <a:headEnd/>
+                <a:tailEnd/>
+              </a14:hiddenLine>
+            </a:ext>
+            <a:ext uri="{AF507438-7753-43E0-B8FC-AC1667EBCBE1}">
+              <a14:hiddenEffects xmlns:a14="http://schemas.microsoft.com/office/drawing/2010/main">
+                <a:effectLst>
+                  <a:outerShdw dist="35921" dir="2700000" algn="ctr" rotWithShape="0">
+                    <a:schemeClr val="bg2"/>
+                  </a:outerShdw>
+                </a:effectLst>
+              </a14:hiddenEffects>
+            </a:ext>
+          </a:extLst>
+        </p:spPr>
+      </p:pic>
+      <p:pic>
+        <p:nvPicPr>
+          <p:cNvPr id="1026" name="Picture 2"/>
+          <p:cNvPicPr>
+            <a:picLocks noChangeAspect="1" noChangeArrowheads="1"/>
+          </p:cNvPicPr>
+          <p:nvPr/>
+        </p:nvPicPr>
+        <p:blipFill>
+          <a:blip r:embed="rId4">
+            <a:extLst>
+              <a:ext uri="{28A0092B-C50C-407E-A947-70E740481C1C}">
+                <a14:useLocalDpi xmlns:a14="http://schemas.microsoft.com/office/drawing/2010/main" val="0"/>
+              </a:ext>
+            </a:extLst>
+          </a:blip>
+          <a:srcRect/>
+          <a:stretch>
+            <a:fillRect/>
+          </a:stretch>
+        </p:blipFill>
+        <p:spPr bwMode="auto">
+          <a:xfrm>
+            <a:off x="2374772" y="555170"/>
+            <a:ext cx="3724275" cy="2476500"/>
           </a:xfrm>
           <a:prstGeom prst="rect">
             <a:avLst/>
@@ -6860,11 +6923,7 @@
             <a:pPr lvl="1"/>
             <a:r>
               <a:rPr lang="en-US" dirty="0" smtClean="0"/>
-              <a:t>RFP </a:t>
-            </a:r>
-            <a:r>
-              <a:rPr lang="en-US" dirty="0" smtClean="0"/>
-              <a:t>was issued September 2013</a:t>
+              <a:t>RFP was issued September 2013</a:t>
             </a:r>
           </a:p>
           <a:p>
@@ -6983,11 +7042,7 @@
           <a:p>
             <a:r>
               <a:rPr lang="en-US" dirty="0" smtClean="0"/>
-              <a:t>Participation </a:t>
-            </a:r>
-            <a:r>
-              <a:rPr lang="en-US" dirty="0" smtClean="0"/>
-              <a:t>and comments welcome. </a:t>
+              <a:t>Participation and comments welcome. </a:t>
             </a:r>
           </a:p>
           <a:p>
@@ -7921,16 +7976,11 @@
               <a:rPr lang="en-US" dirty="0" smtClean="0"/>
               <a:t>Complete open source implementation </a:t>
             </a:r>
-            <a:endParaRPr lang="en-US" dirty="0" smtClean="0"/>
-          </a:p>
-          <a:p>
-            <a:r>
-              <a:rPr lang="en-US" dirty="0" smtClean="0"/>
-              <a:t>Document </a:t>
-            </a:r>
-            <a:r>
-              <a:rPr lang="en-US" dirty="0" smtClean="0"/>
-              <a:t>QVT</a:t>
+          </a:p>
+          <a:p>
+            <a:r>
+              <a:rPr lang="en-US" dirty="0" smtClean="0"/>
+              <a:t>Document QVT</a:t>
             </a:r>
           </a:p>
           <a:p>
@@ -8134,11 +8184,7 @@
           <a:p>
             <a:r>
               <a:rPr lang="en-US" dirty="0" smtClean="0"/>
-              <a:t>Allow use of SoaML patterns without requiring SoaML stereotypes</a:t>
-            </a:r>
-            <a:r>
-              <a:rPr lang="en-US" dirty="0" smtClean="0"/>
-              <a:t>.</a:t>
+              <a:t>Allow use of SoaML patterns without requiring SoaML stereotypes.</a:t>
             </a:r>
           </a:p>
           <a:p>
@@ -8146,7 +8192,6 @@
               <a:rPr lang="en-US" dirty="0" smtClean="0"/>
               <a:t>Deliver with an open source implementation</a:t>
             </a:r>
-            <a:endParaRPr lang="en-US" dirty="0" smtClean="0"/>
           </a:p>
         </p:txBody>
       </p:sp>
